--- a/screen_detail_design_app.pptx
+++ b/screen_detail_design_app.pptx
@@ -205,7 +205,7 @@
           <a:p>
             <a:fld id="{F55002DD-01DD-4366-BC13-338E7E09192A}" type="datetimeFigureOut">
               <a:rPr lang="ko-KR" altLang="en-US" smtClean="0"/>
-              <a:t>2021-03-25</a:t>
+              <a:t>2021-03-27</a:t>
             </a:fld>
             <a:endParaRPr lang="ko-KR" altLang="en-US"/>
           </a:p>
@@ -955,7 +955,7 @@
           <a:p>
             <a:fld id="{78FAE785-F431-4476-9FC7-640CECD3A35D}" type="datetimeFigureOut">
               <a:rPr lang="ko-KR" altLang="en-US" smtClean="0"/>
-              <a:t>2021-03-25</a:t>
+              <a:t>2021-03-27</a:t>
             </a:fld>
             <a:endParaRPr lang="ko-KR" altLang="en-US"/>
           </a:p>
@@ -1153,7 +1153,7 @@
           <a:p>
             <a:fld id="{78FAE785-F431-4476-9FC7-640CECD3A35D}" type="datetimeFigureOut">
               <a:rPr lang="ko-KR" altLang="en-US" smtClean="0"/>
-              <a:t>2021-03-25</a:t>
+              <a:t>2021-03-27</a:t>
             </a:fld>
             <a:endParaRPr lang="ko-KR" altLang="en-US"/>
           </a:p>
@@ -1361,7 +1361,7 @@
           <a:p>
             <a:fld id="{78FAE785-F431-4476-9FC7-640CECD3A35D}" type="datetimeFigureOut">
               <a:rPr lang="ko-KR" altLang="en-US" smtClean="0"/>
-              <a:t>2021-03-25</a:t>
+              <a:t>2021-03-27</a:t>
             </a:fld>
             <a:endParaRPr lang="ko-KR" altLang="en-US"/>
           </a:p>
@@ -1559,7 +1559,7 @@
           <a:p>
             <a:fld id="{78FAE785-F431-4476-9FC7-640CECD3A35D}" type="datetimeFigureOut">
               <a:rPr lang="ko-KR" altLang="en-US" smtClean="0"/>
-              <a:t>2021-03-25</a:t>
+              <a:t>2021-03-27</a:t>
             </a:fld>
             <a:endParaRPr lang="ko-KR" altLang="en-US"/>
           </a:p>
@@ -1834,7 +1834,7 @@
           <a:p>
             <a:fld id="{78FAE785-F431-4476-9FC7-640CECD3A35D}" type="datetimeFigureOut">
               <a:rPr lang="ko-KR" altLang="en-US" smtClean="0"/>
-              <a:t>2021-03-25</a:t>
+              <a:t>2021-03-27</a:t>
             </a:fld>
             <a:endParaRPr lang="ko-KR" altLang="en-US"/>
           </a:p>
@@ -2099,7 +2099,7 @@
           <a:p>
             <a:fld id="{78FAE785-F431-4476-9FC7-640CECD3A35D}" type="datetimeFigureOut">
               <a:rPr lang="ko-KR" altLang="en-US" smtClean="0"/>
-              <a:t>2021-03-25</a:t>
+              <a:t>2021-03-27</a:t>
             </a:fld>
             <a:endParaRPr lang="ko-KR" altLang="en-US"/>
           </a:p>
@@ -2511,7 +2511,7 @@
           <a:p>
             <a:fld id="{78FAE785-F431-4476-9FC7-640CECD3A35D}" type="datetimeFigureOut">
               <a:rPr lang="ko-KR" altLang="en-US" smtClean="0"/>
-              <a:t>2021-03-25</a:t>
+              <a:t>2021-03-27</a:t>
             </a:fld>
             <a:endParaRPr lang="ko-KR" altLang="en-US"/>
           </a:p>
@@ -2652,7 +2652,7 @@
           <a:p>
             <a:fld id="{78FAE785-F431-4476-9FC7-640CECD3A35D}" type="datetimeFigureOut">
               <a:rPr lang="ko-KR" altLang="en-US" smtClean="0"/>
-              <a:t>2021-03-25</a:t>
+              <a:t>2021-03-27</a:t>
             </a:fld>
             <a:endParaRPr lang="ko-KR" altLang="en-US"/>
           </a:p>
@@ -2765,7 +2765,7 @@
           <a:p>
             <a:fld id="{78FAE785-F431-4476-9FC7-640CECD3A35D}" type="datetimeFigureOut">
               <a:rPr lang="ko-KR" altLang="en-US" smtClean="0"/>
-              <a:t>2021-03-25</a:t>
+              <a:t>2021-03-27</a:t>
             </a:fld>
             <a:endParaRPr lang="ko-KR" altLang="en-US"/>
           </a:p>
@@ -3076,7 +3076,7 @@
           <a:p>
             <a:fld id="{78FAE785-F431-4476-9FC7-640CECD3A35D}" type="datetimeFigureOut">
               <a:rPr lang="ko-KR" altLang="en-US" smtClean="0"/>
-              <a:t>2021-03-25</a:t>
+              <a:t>2021-03-27</a:t>
             </a:fld>
             <a:endParaRPr lang="ko-KR" altLang="en-US"/>
           </a:p>
@@ -3364,7 +3364,7 @@
           <a:p>
             <a:fld id="{78FAE785-F431-4476-9FC7-640CECD3A35D}" type="datetimeFigureOut">
               <a:rPr lang="ko-KR" altLang="en-US" smtClean="0"/>
-              <a:t>2021-03-25</a:t>
+              <a:t>2021-03-27</a:t>
             </a:fld>
             <a:endParaRPr lang="ko-KR" altLang="en-US"/>
           </a:p>
@@ -3605,7 +3605,7 @@
           <a:p>
             <a:fld id="{78FAE785-F431-4476-9FC7-640CECD3A35D}" type="datetimeFigureOut">
               <a:rPr lang="ko-KR" altLang="en-US" smtClean="0"/>
-              <a:t>2021-03-25</a:t>
+              <a:t>2021-03-27</a:t>
             </a:fld>
             <a:endParaRPr lang="ko-KR" altLang="en-US"/>
           </a:p>
@@ -17073,7 +17073,7 @@
             </a:r>
             <a:r>
               <a:rPr lang="ko-KR" altLang="en-US" sz="900" dirty="0"/>
-              <a:t>로그아웃 화면</a:t>
+              <a:t>관리자 문의 화면</a:t>
             </a:r>
             <a:r>
               <a:rPr lang="en-US" altLang="ko-KR" sz="900" dirty="0"/>
